--- a/app/src/main/java/com/example/questionnare/Questionnare.pptx
+++ b/app/src/main/java/com/example/questionnare/Questionnare.pptx
@@ -319,7 +319,7 @@
             <a:pPr rtl="0"/>
             <a:fld id="{2B56C629-559F-43E2-B96A-2C33A2B4505F}" type="datetime1">
               <a:rPr lang="hu-HU" smtClean="0"/>
-              <a:t>2023. 11. 27.</a:t>
+              <a:t>2023. 12. 03.</a:t>
             </a:fld>
             <a:endParaRPr lang="hu-HU" dirty="0"/>
           </a:p>
@@ -489,7 +489,7 @@
             <a:pPr rtl="0"/>
             <a:fld id="{43F2C1FE-EAF3-4647-8BD4-463BD11C5464}" type="datetime1">
               <a:rPr lang="hu-HU" noProof="0" smtClean="0"/>
-              <a:t>2023. 11. 27.</a:t>
+              <a:t>2023. 12. 03.</a:t>
             </a:fld>
             <a:endParaRPr lang="hu-HU" noProof="0" dirty="0"/>
           </a:p>
@@ -1834,7 +1834,7 @@
             <a:pPr rtl="0"/>
             <a:fld id="{B4836864-CD42-44DC-BAEF-3A4D2AB28CF5}" type="datetime1">
               <a:rPr lang="hu-HU" noProof="0" smtClean="0"/>
-              <a:t>2023. 11. 27.</a:t>
+              <a:t>2023. 12. 03.</a:t>
             </a:fld>
             <a:endParaRPr lang="hu-HU" noProof="0" dirty="0"/>
           </a:p>
@@ -2059,7 +2059,7 @@
             <a:pPr rtl="0"/>
             <a:fld id="{CFEEEE8D-4E70-4100-9A51-82E684D51990}" type="datetime1">
               <a:rPr lang="hu-HU" noProof="0" smtClean="0"/>
-              <a:t>2023. 11. 27.</a:t>
+              <a:t>2023. 12. 03.</a:t>
             </a:fld>
             <a:endParaRPr lang="hu-HU" noProof="0" dirty="0"/>
           </a:p>
@@ -2262,7 +2262,7 @@
             <a:pPr rtl="0"/>
             <a:fld id="{26E3EB54-B765-4214-830D-C5C0097A6060}" type="datetime1">
               <a:rPr lang="hu-HU" noProof="0" smtClean="0"/>
-              <a:t>2023. 11. 27.</a:t>
+              <a:t>2023. 12. 03.</a:t>
             </a:fld>
             <a:endParaRPr lang="hu-HU" noProof="0" dirty="0"/>
           </a:p>
@@ -2462,7 +2462,7 @@
             <a:pPr rtl="0"/>
             <a:fld id="{9EBAEBD2-A0C6-41BB-98D3-AF9CEB1F71AF}" type="datetime1">
               <a:rPr lang="hu-HU" noProof="0" smtClean="0"/>
-              <a:t>2023. 11. 27.</a:t>
+              <a:t>2023. 12. 03.</a:t>
             </a:fld>
             <a:endParaRPr lang="hu-HU" noProof="0" dirty="0"/>
           </a:p>
@@ -2737,7 +2737,7 @@
             <a:pPr rtl="0"/>
             <a:fld id="{B041D4CF-F622-4AB7-AFDE-4544BBC5BF22}" type="datetime1">
               <a:rPr lang="hu-HU" noProof="0" smtClean="0"/>
-              <a:t>2023. 11. 27.</a:t>
+              <a:t>2023. 12. 03.</a:t>
             </a:fld>
             <a:endParaRPr lang="hu-HU" noProof="0" dirty="0"/>
           </a:p>
@@ -3053,7 +3053,7 @@
             <a:pPr rtl="0"/>
             <a:fld id="{AAB7FB5E-270E-4A18-A78C-D93A0DDAE892}" type="datetime1">
               <a:rPr lang="hu-HU" noProof="0" smtClean="0"/>
-              <a:t>2023. 11. 27.</a:t>
+              <a:t>2023. 12. 03.</a:t>
             </a:fld>
             <a:endParaRPr lang="hu-HU" noProof="0" dirty="0"/>
           </a:p>
@@ -3521,7 +3521,7 @@
             <a:pPr rtl="0"/>
             <a:fld id="{5C68B49E-B044-4977-8C93-8C3243C0A063}" type="datetime1">
               <a:rPr lang="hu-HU" noProof="0" smtClean="0"/>
-              <a:t>2023. 11. 27.</a:t>
+              <a:t>2023. 12. 03.</a:t>
             </a:fld>
             <a:endParaRPr lang="hu-HU" noProof="0" dirty="0"/>
           </a:p>
@@ -3662,7 +3662,7 @@
             <a:pPr rtl="0"/>
             <a:fld id="{B718E3DF-48B2-428A-8916-09B86B6E9AC9}" type="datetime1">
               <a:rPr lang="hu-HU" noProof="0" smtClean="0"/>
-              <a:t>2023. 11. 27.</a:t>
+              <a:t>2023. 12. 03.</a:t>
             </a:fld>
             <a:endParaRPr lang="hu-HU" noProof="0" dirty="0"/>
           </a:p>
@@ -3775,7 +3775,7 @@
             <a:pPr rtl="0"/>
             <a:fld id="{DEA4FF19-E015-4F7D-914A-278BEEAE6C2E}" type="datetime1">
               <a:rPr lang="hu-HU" noProof="0" smtClean="0"/>
-              <a:t>2023. 11. 27.</a:t>
+              <a:t>2023. 12. 03.</a:t>
             </a:fld>
             <a:endParaRPr lang="hu-HU" noProof="0" dirty="0"/>
           </a:p>
@@ -4090,7 +4090,7 @@
             <a:pPr rtl="0"/>
             <a:fld id="{4A967E8C-FE5B-430B-A7C1-F65DEA6543A1}" type="datetime1">
               <a:rPr lang="hu-HU" noProof="0" smtClean="0"/>
-              <a:t>2023. 11. 27.</a:t>
+              <a:t>2023. 12. 03.</a:t>
             </a:fld>
             <a:endParaRPr lang="hu-HU" noProof="0" dirty="0"/>
           </a:p>
@@ -4395,7 +4395,7 @@
             <a:pPr rtl="0"/>
             <a:fld id="{2220FB4B-F19B-4019-9396-714ECCE403D9}" type="datetime1">
               <a:rPr lang="hu-HU" noProof="0" smtClean="0"/>
-              <a:t>2023. 11. 27.</a:t>
+              <a:t>2023. 12. 03.</a:t>
             </a:fld>
             <a:endParaRPr lang="hu-HU" noProof="0" dirty="0"/>
           </a:p>
@@ -4656,7 +4656,7 @@
             <a:pPr rtl="0"/>
             <a:fld id="{5F107B19-A9C8-426D-AFEB-99FB5DBF5D61}" type="datetime1">
               <a:rPr lang="hu-HU" noProof="0" smtClean="0"/>
-              <a:t>2023. 11. 27.</a:t>
+              <a:t>2023. 12. 03.</a:t>
             </a:fld>
             <a:endParaRPr lang="hu-HU" noProof="0" dirty="0"/>
           </a:p>
@@ -5229,13 +5229,13 @@
   <p:clrMapOvr>
     <a:masterClrMapping/>
   </p:clrMapOvr>
-  <mc:AlternateContent xmlns:mc="http://schemas.openxmlformats.org/markup-compatibility/2006">
-    <mc:Choice xmlns:p14="http://schemas.microsoft.com/office/powerpoint/2010/main" Requires="p14">
+  <mc:AlternateContent xmlns:mc="http://schemas.openxmlformats.org/markup-compatibility/2006" xmlns:p14="http://schemas.microsoft.com/office/powerpoint/2010/main">
+    <mc:Choice Requires="p14">
       <p:transition spd="med" p14:dur="700">
         <p:fade/>
       </p:transition>
     </mc:Choice>
-    <mc:Fallback>
+    <mc:Fallback xmlns="">
       <p:transition spd="med">
         <p:fade/>
       </p:transition>
@@ -5312,46 +5312,40 @@
           <a:p>
             <a:r>
               <a:rPr lang="hu-HU" dirty="0"/>
-              <a:t>Adatbázis: Papp </a:t>
+              <a:t>Készítette: Papp </a:t>
             </a:r>
             <a:r>
               <a:rPr lang="hu-HU" dirty="0" err="1"/>
               <a:t>gréta</a:t>
             </a:r>
-            <a:endParaRPr lang="hu-HU" dirty="0"/>
-          </a:p>
-          <a:p>
             <a:r>
               <a:rPr lang="hu-HU" dirty="0"/>
-              <a:t>Backend: Koponyás </a:t>
+              <a:t>, Varga </a:t>
+            </a:r>
+            <a:r>
+              <a:rPr lang="hu-HU" dirty="0" err="1"/>
+              <a:t>petra</a:t>
+            </a:r>
+            <a:r>
+              <a:rPr lang="hu-HU" dirty="0"/>
+              <a:t>, </a:t>
+            </a:r>
+            <a:r>
+              <a:rPr lang="hu-HU" dirty="0" err="1"/>
+              <a:t>Kaponyás</a:t>
+            </a:r>
+            <a:r>
+              <a:rPr lang="hu-HU" dirty="0"/>
+              <a:t> </a:t>
             </a:r>
             <a:r>
               <a:rPr lang="hu-HU" dirty="0" err="1"/>
               <a:t>Lüszien</a:t>
             </a:r>
-            <a:endParaRPr lang="hu-HU" dirty="0"/>
-          </a:p>
-          <a:p>
             <a:r>
               <a:rPr lang="hu-HU" dirty="0"/>
-              <a:t>Frontend: varga </a:t>
-            </a:r>
-            <a:r>
-              <a:rPr lang="hu-HU" dirty="0" err="1"/>
-              <a:t>petra</a:t>
-            </a:r>
-            <a:endParaRPr lang="hu-HU" dirty="0"/>
-          </a:p>
-          <a:p>
-            <a:r>
-              <a:rPr lang="hu-HU" dirty="0"/>
-              <a:t>Tesztelés: fekete </a:t>
-            </a:r>
-            <a:r>
-              <a:rPr lang="hu-HU" dirty="0" err="1"/>
-              <a:t>enikő</a:t>
-            </a:r>
-            <a:endParaRPr lang="hu-HU" dirty="0"/>
+              <a:t>, Fekete Enikő</a:t>
+            </a:r>
           </a:p>
         </p:txBody>
       </p:sp>
@@ -5817,13 +5811,13 @@
   <p:clrMapOvr>
     <a:masterClrMapping/>
   </p:clrMapOvr>
-  <mc:AlternateContent xmlns:mc="http://schemas.openxmlformats.org/markup-compatibility/2006">
-    <mc:Choice xmlns:p14="http://schemas.microsoft.com/office/powerpoint/2010/main" Requires="p14">
+  <mc:AlternateContent xmlns:mc="http://schemas.openxmlformats.org/markup-compatibility/2006" xmlns:p14="http://schemas.microsoft.com/office/powerpoint/2010/main">
+    <mc:Choice Requires="p14">
       <p:transition spd="med" p14:dur="700">
         <p:fade/>
       </p:transition>
     </mc:Choice>
-    <mc:Fallback>
+    <mc:Fallback xmlns="">
       <p:transition spd="med">
         <p:fade/>
       </p:transition>
@@ -6127,13 +6121,13 @@
   <p:clrMapOvr>
     <a:masterClrMapping/>
   </p:clrMapOvr>
-  <mc:AlternateContent xmlns:mc="http://schemas.openxmlformats.org/markup-compatibility/2006">
-    <mc:Choice xmlns:p14="http://schemas.microsoft.com/office/powerpoint/2010/main" Requires="p14">
+  <mc:AlternateContent xmlns:mc="http://schemas.openxmlformats.org/markup-compatibility/2006" xmlns:p14="http://schemas.microsoft.com/office/powerpoint/2010/main">
+    <mc:Choice Requires="p14">
       <p:transition spd="med" p14:dur="700">
         <p:fade/>
       </p:transition>
     </mc:Choice>
-    <mc:Fallback>
+    <mc:Fallback xmlns="">
       <p:transition spd="med">
         <p:fade/>
       </p:transition>
@@ -6305,13 +6299,13 @@
   <p:clrMapOvr>
     <a:masterClrMapping/>
   </p:clrMapOvr>
-  <mc:AlternateContent xmlns:mc="http://schemas.openxmlformats.org/markup-compatibility/2006">
-    <mc:Choice xmlns:p14="http://schemas.microsoft.com/office/powerpoint/2010/main" Requires="p14">
+  <mc:AlternateContent xmlns:mc="http://schemas.openxmlformats.org/markup-compatibility/2006" xmlns:p14="http://schemas.microsoft.com/office/powerpoint/2010/main">
+    <mc:Choice Requires="p14">
       <p:transition spd="med" p14:dur="700">
         <p:fade/>
       </p:transition>
     </mc:Choice>
-    <mc:Fallback>
+    <mc:Fallback xmlns="">
       <p:transition spd="med">
         <p:fade/>
       </p:transition>
@@ -6483,13 +6477,13 @@
   <p:clrMapOvr>
     <a:masterClrMapping/>
   </p:clrMapOvr>
-  <mc:AlternateContent xmlns:mc="http://schemas.openxmlformats.org/markup-compatibility/2006">
-    <mc:Choice xmlns:p14="http://schemas.microsoft.com/office/powerpoint/2010/main" Requires="p14">
+  <mc:AlternateContent xmlns:mc="http://schemas.openxmlformats.org/markup-compatibility/2006" xmlns:p14="http://schemas.microsoft.com/office/powerpoint/2010/main">
+    <mc:Choice Requires="p14">
       <p:transition spd="med" p14:dur="700">
         <p:fade/>
       </p:transition>
     </mc:Choice>
-    <mc:Fallback>
+    <mc:Fallback xmlns="">
       <p:transition spd="med">
         <p:fade/>
       </p:transition>
@@ -6620,13 +6614,13 @@
   <p:clrMapOvr>
     <a:masterClrMapping/>
   </p:clrMapOvr>
-  <mc:AlternateContent xmlns:mc="http://schemas.openxmlformats.org/markup-compatibility/2006">
-    <mc:Choice xmlns:p14="http://schemas.microsoft.com/office/powerpoint/2010/main" Requires="p14">
+  <mc:AlternateContent xmlns:mc="http://schemas.openxmlformats.org/markup-compatibility/2006" xmlns:p14="http://schemas.microsoft.com/office/powerpoint/2010/main">
+    <mc:Choice Requires="p14">
       <p:transition spd="med" p14:dur="700">
         <p:fade/>
       </p:transition>
     </mc:Choice>
-    <mc:Fallback>
+    <mc:Fallback xmlns="">
       <p:transition spd="med">
         <p:fade/>
       </p:transition>
@@ -7486,6 +7480,17 @@
 </file>
 
 <file path=customXml/item1.xml><?xml version="1.0" encoding="utf-8"?>
+<p:properties xmlns:p="http://schemas.microsoft.com/office/2006/metadata/properties" xmlns:xsi="http://www.w3.org/2001/XMLSchema-instance" xmlns:pc="http://schemas.microsoft.com/office/infopath/2007/PartnerControls">
+  <documentManagement>
+    <VSO_x0020_item_x0020_id xmlns="40262f94-9f35-4ac3-9a90-690165a166b7" xsi:nil="true"/>
+    <Assetid_x0020_ xmlns="40262f94-9f35-4ac3-9a90-690165a166b7" xsi:nil="true"/>
+    <Item_x0020_Details xmlns="40262f94-9f35-4ac3-9a90-690165a166b7" xsi:nil="true"/>
+    <Template_x0020_details xmlns="40262f94-9f35-4ac3-9a90-690165a166b7" xsi:nil="true"/>
+  </documentManagement>
+</p:properties>
+</file>
+
+<file path=customXml/item2.xml><?xml version="1.0" encoding="utf-8"?>
 <ct:contentTypeSchema xmlns:ct="http://schemas.microsoft.com/office/2006/metadata/contentType" xmlns:ma="http://schemas.microsoft.com/office/2006/metadata/properties/metaAttributes" ct:_="" ma:_="" ma:contentTypeName="Document" ma:contentTypeID="0x010100AA3F7D94069FF64A86F7DFF56D60E3BE" ma:contentTypeVersion="6" ma:contentTypeDescription="Create a new document." ma:contentTypeScope="" ma:versionID="c32302c77d4085ecf495bdddb7f5e889">
   <xsd:schema xmlns:xsd="http://www.w3.org/2001/XMLSchema" xmlns:xs="http://www.w3.org/2001/XMLSchema" xmlns:p="http://schemas.microsoft.com/office/2006/metadata/properties" xmlns:ns2="a4f35948-e619-41b3-aa29-22878b09cfd2" xmlns:ns3="40262f94-9f35-4ac3-9a90-690165a166b7" targetNamespace="http://schemas.microsoft.com/office/2006/metadata/properties" ma:root="true" ma:fieldsID="4ab5ae46be95f9d0be6107e8200be7a2" ns2:_="" ns3:_="">
     <xsd:import namespace="a4f35948-e619-41b3-aa29-22878b09cfd2"/>
@@ -7666,17 +7671,6 @@
 </ct:contentTypeSchema>
 </file>
 
-<file path=customXml/item2.xml><?xml version="1.0" encoding="utf-8"?>
-<p:properties xmlns:p="http://schemas.microsoft.com/office/2006/metadata/properties" xmlns:xsi="http://www.w3.org/2001/XMLSchema-instance" xmlns:pc="http://schemas.microsoft.com/office/infopath/2007/PartnerControls">
-  <documentManagement>
-    <VSO_x0020_item_x0020_id xmlns="40262f94-9f35-4ac3-9a90-690165a166b7" xsi:nil="true"/>
-    <Assetid_x0020_ xmlns="40262f94-9f35-4ac3-9a90-690165a166b7" xsi:nil="true"/>
-    <Item_x0020_Details xmlns="40262f94-9f35-4ac3-9a90-690165a166b7" xsi:nil="true"/>
-    <Template_x0020_details xmlns="40262f94-9f35-4ac3-9a90-690165a166b7" xsi:nil="true"/>
-  </documentManagement>
-</p:properties>
-</file>
-
 <file path=customXml/item3.xml><?xml version="1.0" encoding="utf-8"?>
 <?mso-contentType ?>
 <FormTemplates xmlns="http://schemas.microsoft.com/sharepoint/v3/contenttype/forms">
@@ -7687,6 +7681,23 @@
 </file>
 
 <file path=customXml/itemProps1.xml><?xml version="1.0" encoding="utf-8"?>
+<ds:datastoreItem xmlns:ds="http://schemas.openxmlformats.org/officeDocument/2006/customXml" ds:itemID="{3049C11C-71DC-49B6-ACD8-27E3AE088D14}">
+  <ds:schemaRefs>
+    <ds:schemaRef ds:uri="http://schemas.microsoft.com/office/2006/documentManagement/types"/>
+    <ds:schemaRef ds:uri="http://schemas.microsoft.com/office/2006/metadata/properties"/>
+    <ds:schemaRef ds:uri="http://purl.org/dc/elements/1.1/"/>
+    <ds:schemaRef ds:uri="http://schemas.openxmlformats.org/package/2006/metadata/core-properties"/>
+    <ds:schemaRef ds:uri="http://schemas.microsoft.com/office/infopath/2007/PartnerControls"/>
+    <ds:schemaRef ds:uri="http://purl.org/dc/terms/"/>
+    <ds:schemaRef ds:uri="40262f94-9f35-4ac3-9a90-690165a166b7"/>
+    <ds:schemaRef ds:uri="a4f35948-e619-41b3-aa29-22878b09cfd2"/>
+    <ds:schemaRef ds:uri="http://www.w3.org/XML/1998/namespace"/>
+    <ds:schemaRef ds:uri="http://purl.org/dc/dcmitype/"/>
+  </ds:schemaRefs>
+</ds:datastoreItem>
+</file>
+
+<file path=customXml/itemProps2.xml><?xml version="1.0" encoding="utf-8"?>
 <ds:datastoreItem xmlns:ds="http://schemas.openxmlformats.org/officeDocument/2006/customXml" ds:itemID="{51F78577-2839-4BFF-9EC7-673BD8FEBD87}">
   <ds:schemaRefs>
     <ds:schemaRef ds:uri="http://schemas.microsoft.com/office/2006/metadata/contentType"/>
@@ -7705,23 +7716,6 @@
 </ds:datastoreItem>
 </file>
 
-<file path=customXml/itemProps2.xml><?xml version="1.0" encoding="utf-8"?>
-<ds:datastoreItem xmlns:ds="http://schemas.openxmlformats.org/officeDocument/2006/customXml" ds:itemID="{3049C11C-71DC-49B6-ACD8-27E3AE088D14}">
-  <ds:schemaRefs>
-    <ds:schemaRef ds:uri="http://schemas.microsoft.com/office/2006/documentManagement/types"/>
-    <ds:schemaRef ds:uri="http://schemas.microsoft.com/office/2006/metadata/properties"/>
-    <ds:schemaRef ds:uri="http://purl.org/dc/elements/1.1/"/>
-    <ds:schemaRef ds:uri="http://schemas.openxmlformats.org/package/2006/metadata/core-properties"/>
-    <ds:schemaRef ds:uri="http://schemas.microsoft.com/office/infopath/2007/PartnerControls"/>
-    <ds:schemaRef ds:uri="http://purl.org/dc/terms/"/>
-    <ds:schemaRef ds:uri="40262f94-9f35-4ac3-9a90-690165a166b7"/>
-    <ds:schemaRef ds:uri="a4f35948-e619-41b3-aa29-22878b09cfd2"/>
-    <ds:schemaRef ds:uri="http://www.w3.org/XML/1998/namespace"/>
-    <ds:schemaRef ds:uri="http://purl.org/dc/dcmitype/"/>
-  </ds:schemaRefs>
-</ds:datastoreItem>
-</file>
-
 <file path=customXml/itemProps3.xml><?xml version="1.0" encoding="utf-8"?>
 <ds:datastoreItem xmlns:ds="http://schemas.openxmlformats.org/officeDocument/2006/customXml" ds:itemID="{0875BD71-4A33-4FB7-88CA-777C4D9E6EE5}">
   <ds:schemaRefs>
